--- a/javareferences.pptx
+++ b/javareferences.pptx
@@ -6,11 +6,12 @@
   </p:sldMasterIdLst>
   <p:sldIdLst>
     <p:sldId id="256" r:id="rId2"/>
-    <p:sldId id="257" r:id="rId3"/>
-    <p:sldId id="258" r:id="rId4"/>
-    <p:sldId id="259" r:id="rId5"/>
-    <p:sldId id="260" r:id="rId6"/>
-    <p:sldId id="261" r:id="rId7"/>
+    <p:sldId id="262" r:id="rId3"/>
+    <p:sldId id="257" r:id="rId4"/>
+    <p:sldId id="258" r:id="rId5"/>
+    <p:sldId id="259" r:id="rId6"/>
+    <p:sldId id="260" r:id="rId7"/>
+    <p:sldId id="261" r:id="rId8"/>
   </p:sldIdLst>
   <p:sldSz cx="9144000" cy="6858000" type="screen4x3"/>
   <p:notesSz cx="6858000" cy="9144000"/>
@@ -581,7 +582,7 @@
             <a:fld id="{7D0065BE-0657-4A47-90AD-C21C55E16B19}" type="datetime4">
               <a:rPr lang="en-US" smtClean="0"/>
               <a:pPr/>
-              <a:t>March 27, 2018</a:t>
+              <a:t>March 28, 2018</a:t>
             </a:fld>
             <a:endParaRPr lang="en-US"/>
           </a:p>
@@ -748,7 +749,7 @@
             <a:fld id="{A16C3AA4-67BE-44F7-809A-3582401494AF}" type="datetime4">
               <a:rPr lang="en-US" smtClean="0"/>
               <a:pPr/>
-              <a:t>March 27, 2018</a:t>
+              <a:t>March 28, 2018</a:t>
             </a:fld>
             <a:endParaRPr lang="en-US"/>
           </a:p>
@@ -925,7 +926,7 @@
             <a:fld id="{25172EEB-1769-4776-AD69-E7C1260563EB}" type="datetime4">
               <a:rPr lang="en-US" smtClean="0"/>
               <a:pPr/>
-              <a:t>March 27, 2018</a:t>
+              <a:t>March 28, 2018</a:t>
             </a:fld>
             <a:endParaRPr lang="en-US"/>
           </a:p>
@@ -1092,7 +1093,7 @@
             <a:fld id="{D47BB8AF-C16A-4836-A92D-61834B5F0BA5}" type="datetime4">
               <a:rPr lang="en-US" smtClean="0"/>
               <a:pPr/>
-              <a:t>March 27, 2018</a:t>
+              <a:t>March 28, 2018</a:t>
             </a:fld>
             <a:endParaRPr lang="en-US"/>
           </a:p>
@@ -1647,7 +1648,7 @@
             <a:fld id="{647D2193-4505-4A75-99BB-880C6989A757}" type="datetime4">
               <a:rPr lang="en-US" smtClean="0"/>
               <a:pPr/>
-              <a:t>March 27, 2018</a:t>
+              <a:t>March 28, 2018</a:t>
             </a:fld>
             <a:endParaRPr lang="en-US"/>
           </a:p>
@@ -1909,7 +1910,7 @@
             <a:fld id="{113A18F4-33C3-445B-924C-31108C51719C}" type="datetime4">
               <a:rPr lang="en-US" smtClean="0"/>
               <a:pPr/>
-              <a:t>March 27, 2018</a:t>
+              <a:t>March 28, 2018</a:t>
             </a:fld>
             <a:endParaRPr lang="en-US"/>
           </a:p>
@@ -2399,7 +2400,7 @@
             <a:fld id="{3AF7543A-E259-478F-9E0D-57BA40E442B7}" type="datetime4">
               <a:rPr lang="en-US" smtClean="0"/>
               <a:pPr/>
-              <a:t>March 27, 2018</a:t>
+              <a:t>March 28, 2018</a:t>
             </a:fld>
             <a:endParaRPr lang="en-US"/>
           </a:p>
@@ -2514,7 +2515,7 @@
             <a:fld id="{1EFB012D-77A1-44B0-BB26-329BA1EE55C9}" type="datetime4">
               <a:rPr lang="en-US" smtClean="0"/>
               <a:pPr/>
-              <a:t>March 27, 2018</a:t>
+              <a:t>March 28, 2018</a:t>
             </a:fld>
             <a:endParaRPr lang="en-US"/>
           </a:p>
@@ -2606,7 +2607,7 @@
             <a:fld id="{94B7499E-3031-413E-B01E-B94970708CAA}" type="datetime4">
               <a:rPr lang="en-US" smtClean="0"/>
               <a:pPr/>
-              <a:t>March 27, 2018</a:t>
+              <a:t>March 28, 2018</a:t>
             </a:fld>
             <a:endParaRPr lang="en-US"/>
           </a:p>
@@ -3038,7 +3039,7 @@
             <a:fld id="{DC7EAB0C-2220-4D0E-A0DD-DB7FA0F742F4}" type="datetime4">
               <a:rPr lang="en-US" smtClean="0"/>
               <a:pPr/>
-              <a:t>March 27, 2018</a:t>
+              <a:t>March 28, 2018</a:t>
             </a:fld>
             <a:endParaRPr lang="en-US"/>
           </a:p>
@@ -3569,7 +3570,7 @@
             <a:fld id="{E3416D63-31BF-4B94-B6C5-E20B2C63F515}" type="datetime4">
               <a:rPr lang="en-US" smtClean="0"/>
               <a:pPr/>
-              <a:t>March 27, 2018</a:t>
+              <a:t>March 28, 2018</a:t>
             </a:fld>
             <a:endParaRPr lang="en-US"/>
           </a:p>
@@ -4411,7 +4412,7 @@
             <a:fld id="{62B1B13E-D5AF-485E-81A1-82A140076526}" type="datetime4">
               <a:rPr lang="en-US" smtClean="0"/>
               <a:pPr/>
-              <a:t>March 27, 2018</a:t>
+              <a:t>March 28, 2018</a:t>
             </a:fld>
             <a:endParaRPr lang="en-US" dirty="0"/>
           </a:p>
@@ -4859,6 +4860,10 @@
           <a:bodyPr/>
           <a:lstStyle/>
           <a:p>
+            <a:r>
+              <a:rPr lang="en-US" dirty="0" smtClean="0"/>
+              <a:t>The keys to object interactions</a:t>
+            </a:r>
             <a:endParaRPr lang="en-US" dirty="0"/>
           </a:p>
         </p:txBody>
@@ -4921,6 +4926,191 @@
                 <a:latin typeface="Arial"/>
                 <a:cs typeface="Arial"/>
               </a:rPr>
+              <a:t>Creating a Reference</a:t>
+            </a:r>
+            <a:endParaRPr lang="en-US" sz="3200" dirty="0">
+              <a:latin typeface="Arial"/>
+              <a:cs typeface="Arial"/>
+            </a:endParaRPr>
+          </a:p>
+        </p:txBody>
+      </p:sp>
+      <p:sp>
+        <p:nvSpPr>
+          <p:cNvPr id="3" name="Content Placeholder 2"/>
+          <p:cNvSpPr>
+            <a:spLocks noGrp="1"/>
+          </p:cNvSpPr>
+          <p:nvPr>
+            <p:ph idx="1"/>
+          </p:nvPr>
+        </p:nvSpPr>
+        <p:spPr/>
+        <p:txBody>
+          <a:bodyPr/>
+          <a:lstStyle/>
+          <a:p>
+            <a:pPr marL="0" indent="0"/>
+            <a:r>
+              <a:rPr lang="en-US" dirty="0" smtClean="0">
+                <a:latin typeface="Arial"/>
+                <a:cs typeface="Arial"/>
+              </a:rPr>
+              <a:t>Anytime we create an object like this:</a:t>
+            </a:r>
+          </a:p>
+          <a:p>
+            <a:pPr marL="0" indent="0"/>
+            <a:r>
+              <a:rPr lang="en-US" dirty="0">
+                <a:latin typeface="Arial"/>
+                <a:cs typeface="Arial"/>
+              </a:rPr>
+              <a:t>	</a:t>
+            </a:r>
+            <a:r>
+              <a:rPr lang="en-US" dirty="0" err="1" smtClean="0">
+                <a:latin typeface="Arial"/>
+                <a:cs typeface="Arial"/>
+              </a:rPr>
+              <a:t>ReferenceType</a:t>
+            </a:r>
+            <a:r>
+              <a:rPr lang="en-US" dirty="0" smtClean="0">
+                <a:latin typeface="Arial"/>
+                <a:cs typeface="Arial"/>
+              </a:rPr>
+              <a:t> reference = new Object();</a:t>
+            </a:r>
+          </a:p>
+          <a:p>
+            <a:pPr marL="0" indent="0"/>
+            <a:endParaRPr lang="en-US" dirty="0" smtClean="0">
+              <a:latin typeface="Arial"/>
+              <a:cs typeface="Arial"/>
+            </a:endParaRPr>
+          </a:p>
+          <a:p>
+            <a:pPr marL="0" indent="0"/>
+            <a:r>
+              <a:rPr lang="en-US" dirty="0" smtClean="0">
+                <a:latin typeface="Arial"/>
+                <a:cs typeface="Arial"/>
+              </a:rPr>
+              <a:t>We can also create a reference using a preexisting reference to a preexisting Object like this:</a:t>
+            </a:r>
+          </a:p>
+          <a:p>
+            <a:pPr marL="0" indent="0"/>
+            <a:r>
+              <a:rPr lang="en-US" dirty="0">
+                <a:latin typeface="Arial"/>
+                <a:cs typeface="Arial"/>
+              </a:rPr>
+              <a:t>	</a:t>
+            </a:r>
+            <a:r>
+              <a:rPr lang="en-US" dirty="0" err="1" smtClean="0">
+                <a:latin typeface="Arial"/>
+                <a:cs typeface="Arial"/>
+              </a:rPr>
+              <a:t>newReference</a:t>
+            </a:r>
+            <a:r>
+              <a:rPr lang="en-US" dirty="0" smtClean="0">
+                <a:latin typeface="Arial"/>
+                <a:cs typeface="Arial"/>
+              </a:rPr>
+              <a:t> = reference;</a:t>
+            </a:r>
+          </a:p>
+          <a:p>
+            <a:pPr marL="0" indent="0"/>
+            <a:endParaRPr lang="en-US" dirty="0">
+              <a:latin typeface="Arial"/>
+              <a:cs typeface="Arial"/>
+            </a:endParaRPr>
+          </a:p>
+          <a:p>
+            <a:pPr marL="0" indent="0"/>
+            <a:r>
+              <a:rPr lang="en-US" dirty="0" smtClean="0">
+                <a:latin typeface="Arial"/>
+                <a:cs typeface="Arial"/>
+              </a:rPr>
+              <a:t>The reference contains a value that is the memory location of the Object it is pointing to. Through references we are able to interact with and alter Objects.</a:t>
+            </a:r>
+          </a:p>
+          <a:p>
+            <a:pPr marL="0" indent="0"/>
+            <a:endParaRPr lang="en-US" dirty="0">
+              <a:latin typeface="Arial"/>
+              <a:cs typeface="Arial"/>
+            </a:endParaRPr>
+          </a:p>
+          <a:p>
+            <a:endParaRPr lang="en-US" dirty="0"/>
+          </a:p>
+        </p:txBody>
+      </p:sp>
+    </p:spTree>
+    <p:extLst>
+      <p:ext uri="{BB962C8B-B14F-4D97-AF65-F5344CB8AC3E}">
+        <p14:creationId xmlns:p14="http://schemas.microsoft.com/office/powerpoint/2010/main" val="1019594634"/>
+      </p:ext>
+    </p:extLst>
+  </p:cSld>
+  <p:clrMapOvr>
+    <a:masterClrMapping/>
+  </p:clrMapOvr>
+  <p:timing>
+    <p:tnLst>
+      <p:par>
+        <p:cTn xmlns:p14="http://schemas.microsoft.com/office/powerpoint/2010/main" id="1" dur="indefinite" restart="never" nodeType="tmRoot"/>
+      </p:par>
+    </p:tnLst>
+  </p:timing>
+</p:sld>
+</file>
+
+<file path=ppt/slides/slide3.xml><?xml version="1.0" encoding="utf-8"?>
+<p:sld xmlns:a="http://schemas.openxmlformats.org/drawingml/2006/main" xmlns:r="http://schemas.openxmlformats.org/officeDocument/2006/relationships" xmlns:p="http://schemas.openxmlformats.org/presentationml/2006/main">
+  <p:cSld>
+    <p:spTree>
+      <p:nvGrpSpPr>
+        <p:cNvPr id="1" name=""/>
+        <p:cNvGrpSpPr/>
+        <p:nvPr/>
+      </p:nvGrpSpPr>
+      <p:grpSpPr>
+        <a:xfrm>
+          <a:off x="0" y="0"/>
+          <a:ext cx="0" cy="0"/>
+          <a:chOff x="0" y="0"/>
+          <a:chExt cx="0" cy="0"/>
+        </a:xfrm>
+      </p:grpSpPr>
+      <p:sp>
+        <p:nvSpPr>
+          <p:cNvPr id="2" name="Title 1"/>
+          <p:cNvSpPr>
+            <a:spLocks noGrp="1"/>
+          </p:cNvSpPr>
+          <p:nvPr>
+            <p:ph type="title"/>
+          </p:nvPr>
+        </p:nvSpPr>
+        <p:spPr/>
+        <p:txBody>
+          <a:bodyPr/>
+          <a:lstStyle/>
+          <a:p>
+            <a:pPr algn="ctr"/>
+            <a:r>
+              <a:rPr lang="en-US" sz="3200" dirty="0" smtClean="0">
+                <a:latin typeface="Arial"/>
+                <a:cs typeface="Arial"/>
+              </a:rPr>
               <a:t>Pass By Value</a:t>
             </a:r>
             <a:endParaRPr lang="en-US" sz="3200" dirty="0">
@@ -5001,7 +5191,63 @@
                 <a:latin typeface="Arial"/>
                 <a:cs typeface="Arial"/>
               </a:rPr>
-              <a:t>In the example seen here, we pass a copy of the values stored in the original string to our method. Since this is not linked to the identity of the string we are never able to change the a original string since we are never interacting with it in the method call. The only thing we change is the variable we set up to hold the values held within the original string.</a:t>
+              <a:t>In the example seen here, we pass a copy of the values stored in the original </a:t>
+            </a:r>
+            <a:r>
+              <a:rPr lang="en-US" sz="1300" dirty="0" smtClean="0">
+                <a:latin typeface="Arial"/>
+                <a:cs typeface="Arial"/>
+              </a:rPr>
+              <a:t>String </a:t>
+            </a:r>
+            <a:r>
+              <a:rPr lang="en-US" sz="1300" dirty="0" smtClean="0">
+                <a:latin typeface="Arial"/>
+                <a:cs typeface="Arial"/>
+              </a:rPr>
+              <a:t>to our method. Since this is not linked to the identity of the </a:t>
+            </a:r>
+            <a:r>
+              <a:rPr lang="en-US" sz="1300" dirty="0" smtClean="0">
+                <a:latin typeface="Arial"/>
+                <a:cs typeface="Arial"/>
+              </a:rPr>
+              <a:t>String </a:t>
+            </a:r>
+            <a:r>
+              <a:rPr lang="en-US" sz="1300" dirty="0" smtClean="0">
+                <a:latin typeface="Arial"/>
+                <a:cs typeface="Arial"/>
+              </a:rPr>
+              <a:t>we are never able to change the </a:t>
+            </a:r>
+            <a:r>
+              <a:rPr lang="en-US" sz="1300" dirty="0" smtClean="0">
+                <a:latin typeface="Arial"/>
+                <a:cs typeface="Arial"/>
+              </a:rPr>
+              <a:t> </a:t>
+            </a:r>
+            <a:r>
+              <a:rPr lang="en-US" sz="1300" dirty="0" smtClean="0">
+                <a:latin typeface="Arial"/>
+                <a:cs typeface="Arial"/>
+              </a:rPr>
+              <a:t>original string since we are never interacting with it in the method call. The only thing we change is the variable we set up to hold the values held within the original </a:t>
+            </a:r>
+            <a:r>
+              <a:rPr lang="en-US" sz="1300" dirty="0" smtClean="0">
+                <a:latin typeface="Arial"/>
+                <a:cs typeface="Arial"/>
+              </a:rPr>
+              <a:t>String</a:t>
+            </a:r>
+            <a:r>
+              <a:rPr lang="en-US" sz="1300" dirty="0" smtClean="0">
+                <a:latin typeface="Arial"/>
+                <a:cs typeface="Arial"/>
+              </a:rPr>
+              <a:t>.</a:t>
             </a:r>
             <a:endParaRPr lang="en-US" sz="1300" dirty="0">
               <a:latin typeface="Arial"/>
@@ -5090,7 +5336,7 @@
 </p:sld>
 </file>
 
-<file path=ppt/slides/slide3.xml><?xml version="1.0" encoding="utf-8"?>
+<file path=ppt/slides/slide4.xml><?xml version="1.0" encoding="utf-8"?>
 <p:sld xmlns:a="http://schemas.openxmlformats.org/drawingml/2006/main" xmlns:r="http://schemas.openxmlformats.org/officeDocument/2006/relationships" xmlns:p="http://schemas.openxmlformats.org/presentationml/2006/main">
   <p:cSld>
     <p:spTree>
@@ -5172,7 +5418,28 @@
                 <a:latin typeface="Arial"/>
                 <a:cs typeface="Arial"/>
               </a:rPr>
-              <a:t>memory location of a data object(identity), </a:t>
+              <a:t>memory location of </a:t>
+            </a:r>
+            <a:r>
+              <a:rPr lang="en-US" sz="1400" dirty="0" smtClean="0">
+                <a:latin typeface="Arial"/>
+                <a:cs typeface="Arial"/>
+              </a:rPr>
+              <a:t>an </a:t>
+            </a:r>
+            <a:r>
+              <a:rPr lang="en-US" sz="1400" dirty="0" smtClean="0">
+                <a:latin typeface="Arial"/>
+                <a:cs typeface="Arial"/>
+              </a:rPr>
+              <a:t>O</a:t>
+            </a:r>
+            <a:r>
+              <a:rPr lang="en-US" sz="1400" dirty="0" smtClean="0">
+                <a:latin typeface="Arial"/>
+                <a:cs typeface="Arial"/>
+              </a:rPr>
+              <a:t>bject, </a:t>
             </a:r>
             <a:r>
               <a:rPr lang="en-US" sz="1400" dirty="0">
@@ -5186,10 +5453,24 @@
                 <a:latin typeface="Arial"/>
                 <a:cs typeface="Arial"/>
               </a:rPr>
-              <a:t>memory location(identity) </a:t>
+              <a:t>memory </a:t>
+            </a:r>
+            <a:r>
+              <a:rPr lang="en-US" sz="1400" dirty="0" smtClean="0">
+                <a:latin typeface="Arial"/>
+                <a:cs typeface="Arial"/>
+              </a:rPr>
+              <a:t>location</a:t>
             </a:r>
             <a:r>
               <a:rPr lang="en-US" sz="1400" dirty="0">
+                <a:latin typeface="Arial"/>
+                <a:cs typeface="Arial"/>
+              </a:rPr>
+              <a:t> </a:t>
+            </a:r>
+            <a:r>
+              <a:rPr lang="en-US" sz="1400" dirty="0" smtClean="0">
                 <a:latin typeface="Arial"/>
                 <a:cs typeface="Arial"/>
               </a:rPr>
@@ -5271,7 +5552,49 @@
                 <a:latin typeface="Arial"/>
                 <a:cs typeface="Arial"/>
               </a:rPr>
-              <a:t>use the object’s reference to it’s own identity to interact with it. By referencing the object with its identity we can call its own field change methods on it and actually change the data values it holds inside itself. </a:t>
+              <a:t>use the </a:t>
+            </a:r>
+            <a:r>
+              <a:rPr lang="en-US" sz="1300" dirty="0" smtClean="0">
+                <a:latin typeface="Arial"/>
+                <a:cs typeface="Arial"/>
+              </a:rPr>
+              <a:t>reference </a:t>
+            </a:r>
+            <a:r>
+              <a:rPr lang="en-US" sz="1300" dirty="0" smtClean="0">
+                <a:latin typeface="Arial"/>
+                <a:cs typeface="Arial"/>
+              </a:rPr>
+              <a:t>to </a:t>
+            </a:r>
+            <a:r>
+              <a:rPr lang="en-US" sz="1300" dirty="0" smtClean="0">
+                <a:latin typeface="Arial"/>
+                <a:cs typeface="Arial"/>
+              </a:rPr>
+              <a:t>the Object to interact </a:t>
+            </a:r>
+            <a:r>
+              <a:rPr lang="en-US" sz="1300" dirty="0" smtClean="0">
+                <a:latin typeface="Arial"/>
+                <a:cs typeface="Arial"/>
+              </a:rPr>
+              <a:t>with it. By referencing the </a:t>
+            </a:r>
+            <a:r>
+              <a:rPr lang="en-US" sz="1300" dirty="0" smtClean="0">
+                <a:latin typeface="Arial"/>
+                <a:cs typeface="Arial"/>
+              </a:rPr>
+              <a:t>Object </a:t>
+            </a:r>
+            <a:r>
+              <a:rPr lang="en-US" sz="1300" dirty="0" smtClean="0">
+                <a:latin typeface="Arial"/>
+                <a:cs typeface="Arial"/>
+              </a:rPr>
+              <a:t>with its identity we can call its own field change methods on it and actually change the data values it holds inside itself. </a:t>
             </a:r>
             <a:endParaRPr lang="en-US" sz="1300" dirty="0">
               <a:latin typeface="Arial"/>
@@ -5390,7 +5713,7 @@
 </p:sld>
 </file>
 
-<file path=ppt/slides/slide4.xml><?xml version="1.0" encoding="utf-8"?>
+<file path=ppt/slides/slide5.xml><?xml version="1.0" encoding="utf-8"?>
 <p:sld xmlns:a="http://schemas.openxmlformats.org/drawingml/2006/main" xmlns:r="http://schemas.openxmlformats.org/officeDocument/2006/relationships" xmlns:p="http://schemas.openxmlformats.org/presentationml/2006/main">
   <p:cSld>
     <p:spTree>
@@ -5465,7 +5788,35 @@
                 <a:latin typeface="Arial"/>
                 <a:cs typeface="Arial"/>
               </a:rPr>
-              <a:t>There are two ways to compare object equality: by an object’s identity using the == operator or by using a .equals() method. In the case of the .equals(), if there was no preexisting .equals() method, we would need to define it.</a:t>
+              <a:t>There are two ways to compare </a:t>
+            </a:r>
+            <a:r>
+              <a:rPr lang="en-US" sz="1400" dirty="0" smtClean="0">
+                <a:latin typeface="Arial"/>
+                <a:cs typeface="Arial"/>
+              </a:rPr>
+              <a:t>Object </a:t>
+            </a:r>
+            <a:r>
+              <a:rPr lang="en-US" sz="1400" dirty="0" smtClean="0">
+                <a:latin typeface="Arial"/>
+                <a:cs typeface="Arial"/>
+              </a:rPr>
+              <a:t>equality: by an </a:t>
+            </a:r>
+            <a:r>
+              <a:rPr lang="en-US" sz="1400" dirty="0" smtClean="0">
+                <a:latin typeface="Arial"/>
+                <a:cs typeface="Arial"/>
+              </a:rPr>
+              <a:t>Object’s </a:t>
+            </a:r>
+            <a:r>
+              <a:rPr lang="en-US" sz="1400" dirty="0" smtClean="0">
+                <a:latin typeface="Arial"/>
+                <a:cs typeface="Arial"/>
+              </a:rPr>
+              <a:t>identity using the == operator or by using a .equals() method. In the case of the .equals(), if there was no preexisting .equals() method, we would need to define it.</a:t>
             </a:r>
             <a:endParaRPr lang="en-US" sz="1400" dirty="0">
               <a:latin typeface="Arial"/>
@@ -5645,21 +5996,49 @@
                 <a:latin typeface="Arial"/>
                 <a:cs typeface="Arial"/>
               </a:rPr>
-              <a:t>In the left example, we can see that two references pointing to the same object are identity identical. They are the same object. </a:t>
-            </a:r>
-            <a:r>
-              <a:rPr lang="en-US" sz="1200" smtClean="0">
-                <a:latin typeface="Arial"/>
-                <a:cs typeface="Arial"/>
-              </a:rPr>
-              <a:t>An </a:t>
+              <a:t>In the left example, we can see that two references pointing to the same </a:t>
             </a:r>
             <a:r>
               <a:rPr lang="en-US" sz="1200" dirty="0" smtClean="0">
                 <a:latin typeface="Arial"/>
                 <a:cs typeface="Arial"/>
               </a:rPr>
-              <a:t>object with identical fields is not identical to the identity of the other object. They are different objects. </a:t>
+              <a:t>Object </a:t>
+            </a:r>
+            <a:r>
+              <a:rPr lang="en-US" sz="1200" dirty="0" smtClean="0">
+                <a:latin typeface="Arial"/>
+                <a:cs typeface="Arial"/>
+              </a:rPr>
+              <a:t>are identity identical. They are the same object. An </a:t>
+            </a:r>
+            <a:r>
+              <a:rPr lang="en-US" sz="1200" dirty="0" smtClean="0">
+                <a:latin typeface="Arial"/>
+                <a:cs typeface="Arial"/>
+              </a:rPr>
+              <a:t>Object </a:t>
+            </a:r>
+            <a:r>
+              <a:rPr lang="en-US" sz="1200" dirty="0" smtClean="0">
+                <a:latin typeface="Arial"/>
+                <a:cs typeface="Arial"/>
+              </a:rPr>
+              <a:t>with identical fields is not identical to the identity of the other object. They are different </a:t>
+            </a:r>
+            <a:r>
+              <a:rPr lang="en-US" sz="1200" dirty="0" smtClean="0">
+                <a:latin typeface="Arial"/>
+                <a:cs typeface="Arial"/>
+              </a:rPr>
+              <a:t>Objects</a:t>
+            </a:r>
+            <a:r>
+              <a:rPr lang="en-US" sz="1200" dirty="0" smtClean="0">
+                <a:latin typeface="Arial"/>
+                <a:cs typeface="Arial"/>
+              </a:rPr>
+              <a:t>. </a:t>
             </a:r>
           </a:p>
           <a:p>
@@ -5672,7 +6051,21 @@
                 <a:latin typeface="Arial"/>
                 <a:cs typeface="Arial"/>
               </a:rPr>
-              <a:t>In the right example, we can see that two different objects that contain the exact same values can be determined to be equivalent. They are not the same object, but given the equivalency determinants they can be evaluated to equal.</a:t>
+              <a:t>In the right example, we can see that two different objects that contain the exact same values can be determined to be equivalent. They are not the same </a:t>
+            </a:r>
+            <a:r>
+              <a:rPr lang="en-US" sz="1200" dirty="0" smtClean="0">
+                <a:latin typeface="Arial"/>
+                <a:cs typeface="Arial"/>
+              </a:rPr>
+              <a:t>Object</a:t>
+            </a:r>
+            <a:r>
+              <a:rPr lang="en-US" sz="1200" dirty="0" smtClean="0">
+                <a:latin typeface="Arial"/>
+                <a:cs typeface="Arial"/>
+              </a:rPr>
+              <a:t>, but given the equivalency determinants they can be evaluated to equal.</a:t>
             </a:r>
             <a:endParaRPr lang="en-US" sz="1200" dirty="0">
               <a:latin typeface="Arial"/>
@@ -5685,310 +6078,6 @@
     <p:extLst>
       <p:ext uri="{BB962C8B-B14F-4D97-AF65-F5344CB8AC3E}">
         <p14:creationId xmlns:p14="http://schemas.microsoft.com/office/powerpoint/2010/main" val="2012819260"/>
-      </p:ext>
-    </p:extLst>
-  </p:cSld>
-  <p:clrMapOvr>
-    <a:masterClrMapping/>
-  </p:clrMapOvr>
-  <p:timing>
-    <p:tnLst>
-      <p:par>
-        <p:cTn xmlns:p14="http://schemas.microsoft.com/office/powerpoint/2010/main" id="1" dur="indefinite" restart="never" nodeType="tmRoot"/>
-      </p:par>
-    </p:tnLst>
-  </p:timing>
-</p:sld>
-</file>
-
-<file path=ppt/slides/slide5.xml><?xml version="1.0" encoding="utf-8"?>
-<p:sld xmlns:a="http://schemas.openxmlformats.org/drawingml/2006/main" xmlns:r="http://schemas.openxmlformats.org/officeDocument/2006/relationships" xmlns:p="http://schemas.openxmlformats.org/presentationml/2006/main">
-  <p:cSld>
-    <p:spTree>
-      <p:nvGrpSpPr>
-        <p:cNvPr id="1" name=""/>
-        <p:cNvGrpSpPr/>
-        <p:nvPr/>
-      </p:nvGrpSpPr>
-      <p:grpSpPr>
-        <a:xfrm>
-          <a:off x="0" y="0"/>
-          <a:ext cx="0" cy="0"/>
-          <a:chOff x="0" y="0"/>
-          <a:chExt cx="0" cy="0"/>
-        </a:xfrm>
-      </p:grpSpPr>
-      <p:sp>
-        <p:nvSpPr>
-          <p:cNvPr id="2" name="Title 1"/>
-          <p:cNvSpPr>
-            <a:spLocks noGrp="1"/>
-          </p:cNvSpPr>
-          <p:nvPr>
-            <p:ph type="title"/>
-          </p:nvPr>
-        </p:nvSpPr>
-        <p:spPr/>
-        <p:txBody>
-          <a:bodyPr/>
-          <a:lstStyle/>
-          <a:p>
-            <a:pPr algn="ctr"/>
-            <a:r>
-              <a:rPr lang="en-US" sz="3200" dirty="0" smtClean="0">
-                <a:latin typeface="Arial"/>
-                <a:cs typeface="Arial"/>
-              </a:rPr>
-              <a:t>Object </a:t>
-            </a:r>
-            <a:r>
-              <a:rPr lang="en-US" sz="3200" dirty="0" err="1" smtClean="0">
-                <a:latin typeface="Arial"/>
-                <a:cs typeface="Arial"/>
-              </a:rPr>
-              <a:t>Lifecyle</a:t>
-            </a:r>
-            <a:endParaRPr lang="en-US" sz="3200" dirty="0">
-              <a:latin typeface="Arial"/>
-              <a:cs typeface="Arial"/>
-            </a:endParaRPr>
-          </a:p>
-        </p:txBody>
-      </p:sp>
-      <p:sp>
-        <p:nvSpPr>
-          <p:cNvPr id="3" name="Content Placeholder 2"/>
-          <p:cNvSpPr>
-            <a:spLocks noGrp="1"/>
-          </p:cNvSpPr>
-          <p:nvPr>
-            <p:ph idx="1"/>
-          </p:nvPr>
-        </p:nvSpPr>
-        <p:spPr>
-          <a:xfrm>
-            <a:off x="215900" y="1418128"/>
-            <a:ext cx="8597900" cy="3179272"/>
-          </a:xfrm>
-        </p:spPr>
-        <p:txBody>
-          <a:bodyPr/>
-          <a:lstStyle/>
-          <a:p>
-            <a:pPr marL="285750" indent="-285750">
-              <a:buFont typeface="Arial"/>
-              <a:buChar char="•"/>
-            </a:pPr>
-            <a:r>
-              <a:rPr lang="en-US" sz="1800" dirty="0" smtClean="0">
-                <a:latin typeface="Arial"/>
-                <a:cs typeface="Arial"/>
-              </a:rPr>
-              <a:t>Created:	</a:t>
-            </a:r>
-            <a:r>
-              <a:rPr lang="en-US" sz="1200" dirty="0" smtClean="0">
-                <a:latin typeface="Arial"/>
-                <a:cs typeface="Arial"/>
-              </a:rPr>
-              <a:t>      Object object = new Object();</a:t>
-            </a:r>
-          </a:p>
-          <a:p>
-            <a:pPr marL="285750" indent="-285750">
-              <a:buFont typeface="Arial"/>
-              <a:buChar char="•"/>
-            </a:pPr>
-            <a:r>
-              <a:rPr lang="en-US" sz="1800" dirty="0" smtClean="0">
-                <a:latin typeface="Arial"/>
-                <a:cs typeface="Arial"/>
-              </a:rPr>
-              <a:t>In Use:      </a:t>
-            </a:r>
-            <a:r>
-              <a:rPr lang="en-US" sz="1200" dirty="0" smtClean="0">
-                <a:latin typeface="Arial"/>
-                <a:cs typeface="Arial"/>
-              </a:rPr>
-              <a:t>	      Reference reference = object;</a:t>
-            </a:r>
-          </a:p>
-          <a:p>
-            <a:pPr marL="285750" indent="-285750">
-              <a:buFont typeface="Arial"/>
-              <a:buChar char="•"/>
-            </a:pPr>
-            <a:r>
-              <a:rPr lang="en-US" sz="1800" dirty="0" smtClean="0">
-                <a:latin typeface="Arial"/>
-                <a:cs typeface="Arial"/>
-              </a:rPr>
-              <a:t>Invisible:             </a:t>
-            </a:r>
-            <a:r>
-              <a:rPr lang="en-US" sz="1200" dirty="0" smtClean="0">
-                <a:latin typeface="Arial"/>
-                <a:cs typeface="Arial"/>
-              </a:rPr>
-              <a:t>reference = </a:t>
-            </a:r>
-            <a:r>
-              <a:rPr lang="en-US" sz="1200" dirty="0" err="1" smtClean="0">
-                <a:latin typeface="Arial"/>
-                <a:cs typeface="Arial"/>
-              </a:rPr>
-              <a:t>aNewObject</a:t>
-            </a:r>
-            <a:r>
-              <a:rPr lang="en-US" sz="1200" dirty="0" smtClean="0">
-                <a:latin typeface="Arial"/>
-                <a:cs typeface="Arial"/>
-              </a:rPr>
-              <a:t>;       								 at this point no Strong References are accessible</a:t>
-            </a:r>
-          </a:p>
-          <a:p>
-            <a:pPr marL="285750" indent="-285750">
-              <a:buFont typeface="Arial"/>
-              <a:buChar char="•"/>
-            </a:pPr>
-            <a:r>
-              <a:rPr lang="en-US" sz="1800" dirty="0" smtClean="0">
-                <a:latin typeface="Arial"/>
-                <a:cs typeface="Arial"/>
-              </a:rPr>
-              <a:t>Unreachable: </a:t>
-            </a:r>
-            <a:r>
-              <a:rPr lang="en-US" sz="1200" dirty="0" smtClean="0">
-                <a:latin typeface="Arial"/>
-                <a:cs typeface="Arial"/>
-              </a:rPr>
-              <a:t>	      at this point no Strong References to object exist anywhere</a:t>
-            </a:r>
-          </a:p>
-          <a:p>
-            <a:pPr marL="285750" indent="-285750">
-              <a:buFont typeface="Arial"/>
-              <a:buChar char="•"/>
-            </a:pPr>
-            <a:r>
-              <a:rPr lang="en-US" sz="1800" dirty="0" smtClean="0">
-                <a:latin typeface="Arial"/>
-                <a:cs typeface="Arial"/>
-              </a:rPr>
-              <a:t>Collected:	    </a:t>
-            </a:r>
-            <a:r>
-              <a:rPr lang="en-US" sz="1200" dirty="0" smtClean="0">
-                <a:latin typeface="Arial"/>
-                <a:cs typeface="Arial"/>
-              </a:rPr>
-              <a:t>at this point the Garbage Collector has recognized an object is ready for collection</a:t>
-            </a:r>
-            <a:endParaRPr lang="en-US" sz="1800" dirty="0" smtClean="0">
-              <a:latin typeface="Arial"/>
-              <a:cs typeface="Arial"/>
-            </a:endParaRPr>
-          </a:p>
-          <a:p>
-            <a:pPr marL="285750" indent="-285750">
-              <a:buFont typeface="Arial"/>
-              <a:buChar char="•"/>
-            </a:pPr>
-            <a:r>
-              <a:rPr lang="en-US" sz="1800" dirty="0" smtClean="0">
-                <a:latin typeface="Arial"/>
-                <a:cs typeface="Arial"/>
-              </a:rPr>
-              <a:t>Finalized:</a:t>
-            </a:r>
-            <a:r>
-              <a:rPr lang="en-US" sz="1200" dirty="0" smtClean="0">
-                <a:latin typeface="Arial"/>
-                <a:cs typeface="Arial"/>
-              </a:rPr>
-              <a:t>	      at this point if an object is still unreachable after executing any existing finalize 				methods</a:t>
-            </a:r>
-            <a:endParaRPr lang="en-US" sz="1800" dirty="0" smtClean="0">
-              <a:latin typeface="Arial"/>
-              <a:cs typeface="Arial"/>
-            </a:endParaRPr>
-          </a:p>
-          <a:p>
-            <a:pPr marL="285750" indent="-285750">
-              <a:buFont typeface="Arial"/>
-              <a:buChar char="•"/>
-            </a:pPr>
-            <a:r>
-              <a:rPr lang="en-US" sz="1800" dirty="0" err="1" smtClean="0">
-                <a:latin typeface="Arial"/>
-                <a:cs typeface="Arial"/>
-              </a:rPr>
-              <a:t>Deallocated</a:t>
-            </a:r>
-            <a:r>
-              <a:rPr lang="en-US" sz="1800" dirty="0" smtClean="0">
-                <a:latin typeface="Arial"/>
-                <a:cs typeface="Arial"/>
-              </a:rPr>
-              <a:t>:</a:t>
-            </a:r>
-            <a:r>
-              <a:rPr lang="en-US" sz="1200" dirty="0" smtClean="0">
-                <a:latin typeface="Arial"/>
-                <a:cs typeface="Arial"/>
-              </a:rPr>
-              <a:t> 	       the final step in garbage collection</a:t>
-            </a:r>
-            <a:endParaRPr lang="en-US" sz="1800" dirty="0">
-              <a:latin typeface="Arial"/>
-              <a:cs typeface="Arial"/>
-            </a:endParaRPr>
-          </a:p>
-          <a:p>
-            <a:pPr marL="0" indent="0"/>
-            <a:endParaRPr lang="en-US" dirty="0">
-              <a:latin typeface="Arial"/>
-              <a:cs typeface="Arial"/>
-            </a:endParaRPr>
-          </a:p>
-          <a:p>
-            <a:endParaRPr lang="en-US" dirty="0"/>
-          </a:p>
-        </p:txBody>
-      </p:sp>
-      <p:sp>
-        <p:nvSpPr>
-          <p:cNvPr id="4" name="TextBox 3"/>
-          <p:cNvSpPr txBox="1"/>
-          <p:nvPr/>
-        </p:nvSpPr>
-        <p:spPr>
-          <a:xfrm>
-            <a:off x="6070600" y="4914900"/>
-            <a:ext cx="184666" cy="369332"/>
-          </a:xfrm>
-          <a:prstGeom prst="rect">
-            <a:avLst/>
-          </a:prstGeom>
-          <a:noFill/>
-        </p:spPr>
-        <p:txBody>
-          <a:bodyPr wrap="none" rtlCol="0">
-            <a:spAutoFit/>
-          </a:bodyPr>
-          <a:lstStyle/>
-          <a:p>
-            <a:endParaRPr lang="en-US" dirty="0"/>
-          </a:p>
-        </p:txBody>
-      </p:sp>
-    </p:spTree>
-    <p:extLst>
-      <p:ext uri="{BB962C8B-B14F-4D97-AF65-F5344CB8AC3E}">
-        <p14:creationId xmlns:p14="http://schemas.microsoft.com/office/powerpoint/2010/main" val="1475096051"/>
       </p:ext>
     </p:extLst>
   </p:cSld>
@@ -6043,6 +6132,342 @@
                 <a:latin typeface="Arial"/>
                 <a:cs typeface="Arial"/>
               </a:rPr>
+              <a:t>Object </a:t>
+            </a:r>
+            <a:r>
+              <a:rPr lang="en-US" sz="3200" dirty="0" err="1" smtClean="0">
+                <a:latin typeface="Arial"/>
+                <a:cs typeface="Arial"/>
+              </a:rPr>
+              <a:t>Lifecyle</a:t>
+            </a:r>
+            <a:endParaRPr lang="en-US" sz="3200" dirty="0">
+              <a:latin typeface="Arial"/>
+              <a:cs typeface="Arial"/>
+            </a:endParaRPr>
+          </a:p>
+        </p:txBody>
+      </p:sp>
+      <p:sp>
+        <p:nvSpPr>
+          <p:cNvPr id="3" name="Content Placeholder 2"/>
+          <p:cNvSpPr>
+            <a:spLocks noGrp="1"/>
+          </p:cNvSpPr>
+          <p:nvPr>
+            <p:ph idx="1"/>
+          </p:nvPr>
+        </p:nvSpPr>
+        <p:spPr>
+          <a:xfrm>
+            <a:off x="215900" y="1418128"/>
+            <a:ext cx="8597900" cy="3179272"/>
+          </a:xfrm>
+        </p:spPr>
+        <p:txBody>
+          <a:bodyPr/>
+          <a:lstStyle/>
+          <a:p>
+            <a:pPr marL="285750" indent="-285750">
+              <a:buFont typeface="Arial"/>
+              <a:buChar char="•"/>
+            </a:pPr>
+            <a:r>
+              <a:rPr lang="en-US" sz="1800" dirty="0" smtClean="0">
+                <a:latin typeface="Arial"/>
+                <a:cs typeface="Arial"/>
+              </a:rPr>
+              <a:t>Created:	</a:t>
+            </a:r>
+            <a:r>
+              <a:rPr lang="en-US" sz="1200" dirty="0" smtClean="0">
+                <a:latin typeface="Arial"/>
+                <a:cs typeface="Arial"/>
+              </a:rPr>
+              <a:t>      </a:t>
+            </a:r>
+            <a:r>
+              <a:rPr lang="en-US" sz="1200" dirty="0" err="1" smtClean="0">
+                <a:latin typeface="Arial"/>
+                <a:cs typeface="Arial"/>
+              </a:rPr>
+              <a:t>ReferenceType</a:t>
+            </a:r>
+            <a:r>
+              <a:rPr lang="en-US" sz="1200" dirty="0" smtClean="0">
+                <a:latin typeface="Arial"/>
+                <a:cs typeface="Arial"/>
+              </a:rPr>
+              <a:t> reference </a:t>
+            </a:r>
+            <a:r>
+              <a:rPr lang="en-US" sz="1200" dirty="0" smtClean="0">
+                <a:latin typeface="Arial"/>
+                <a:cs typeface="Arial"/>
+              </a:rPr>
+              <a:t>= new Object();</a:t>
+            </a:r>
+          </a:p>
+          <a:p>
+            <a:pPr marL="285750" indent="-285750">
+              <a:buFont typeface="Arial"/>
+              <a:buChar char="•"/>
+            </a:pPr>
+            <a:r>
+              <a:rPr lang="en-US" sz="1800" dirty="0" smtClean="0">
+                <a:latin typeface="Arial"/>
+                <a:cs typeface="Arial"/>
+              </a:rPr>
+              <a:t>In Use:      </a:t>
+            </a:r>
+            <a:r>
+              <a:rPr lang="en-US" sz="1200" dirty="0" smtClean="0">
+                <a:latin typeface="Arial"/>
+                <a:cs typeface="Arial"/>
+              </a:rPr>
+              <a:t>	      </a:t>
+            </a:r>
+            <a:r>
+              <a:rPr lang="en-US" sz="1200" dirty="0" smtClean="0">
+                <a:latin typeface="Arial"/>
+                <a:cs typeface="Arial"/>
+              </a:rPr>
+              <a:t>at this point the Object is in use</a:t>
+            </a:r>
+            <a:endParaRPr lang="en-US" sz="1200" dirty="0" smtClean="0">
+              <a:latin typeface="Arial"/>
+              <a:cs typeface="Arial"/>
+            </a:endParaRPr>
+          </a:p>
+          <a:p>
+            <a:pPr marL="285750" indent="-285750">
+              <a:buFont typeface="Arial"/>
+              <a:buChar char="•"/>
+            </a:pPr>
+            <a:r>
+              <a:rPr lang="en-US" sz="1800" dirty="0" smtClean="0">
+                <a:latin typeface="Arial"/>
+                <a:cs typeface="Arial"/>
+              </a:rPr>
+              <a:t>Invisible:             </a:t>
+            </a:r>
+            <a:r>
+              <a:rPr lang="en-US" sz="1200" dirty="0" smtClean="0">
+                <a:latin typeface="Arial"/>
+                <a:cs typeface="Arial"/>
+              </a:rPr>
+              <a:t>reference = </a:t>
+            </a:r>
+            <a:r>
+              <a:rPr lang="en-US" sz="1200" dirty="0" err="1" smtClean="0">
+                <a:latin typeface="Arial"/>
+                <a:cs typeface="Arial"/>
+              </a:rPr>
+              <a:t>aNewObject</a:t>
+            </a:r>
+            <a:r>
+              <a:rPr lang="en-US" sz="1200" dirty="0" smtClean="0">
+                <a:latin typeface="Arial"/>
+                <a:cs typeface="Arial"/>
+              </a:rPr>
+              <a:t>;       								 at this point no Strong References are accessible</a:t>
+            </a:r>
+          </a:p>
+          <a:p>
+            <a:pPr marL="285750" indent="-285750">
+              <a:buFont typeface="Arial"/>
+              <a:buChar char="•"/>
+            </a:pPr>
+            <a:r>
+              <a:rPr lang="en-US" sz="1800" dirty="0" smtClean="0">
+                <a:latin typeface="Arial"/>
+                <a:cs typeface="Arial"/>
+              </a:rPr>
+              <a:t>Unreachable: </a:t>
+            </a:r>
+            <a:r>
+              <a:rPr lang="en-US" sz="1200" dirty="0" smtClean="0">
+                <a:latin typeface="Arial"/>
+                <a:cs typeface="Arial"/>
+              </a:rPr>
+              <a:t>	      at this point no Strong References to object exist anywhere</a:t>
+            </a:r>
+          </a:p>
+          <a:p>
+            <a:pPr marL="285750" indent="-285750">
+              <a:buFont typeface="Arial"/>
+              <a:buChar char="•"/>
+            </a:pPr>
+            <a:r>
+              <a:rPr lang="en-US" sz="1800" dirty="0" smtClean="0">
+                <a:latin typeface="Arial"/>
+                <a:cs typeface="Arial"/>
+              </a:rPr>
+              <a:t>Collected:	    </a:t>
+            </a:r>
+            <a:r>
+              <a:rPr lang="en-US" sz="1200" dirty="0" smtClean="0">
+                <a:latin typeface="Arial"/>
+                <a:cs typeface="Arial"/>
+              </a:rPr>
+              <a:t>at this point the Garbage Collector has recognized an object is ready for collection</a:t>
+            </a:r>
+            <a:endParaRPr lang="en-US" sz="1800" dirty="0" smtClean="0">
+              <a:latin typeface="Arial"/>
+              <a:cs typeface="Arial"/>
+            </a:endParaRPr>
+          </a:p>
+          <a:p>
+            <a:pPr marL="285750" indent="-285750">
+              <a:buFont typeface="Arial"/>
+              <a:buChar char="•"/>
+            </a:pPr>
+            <a:r>
+              <a:rPr lang="en-US" sz="1800" dirty="0" smtClean="0">
+                <a:latin typeface="Arial"/>
+                <a:cs typeface="Arial"/>
+              </a:rPr>
+              <a:t>Finalized:</a:t>
+            </a:r>
+            <a:r>
+              <a:rPr lang="en-US" sz="1200" dirty="0" smtClean="0">
+                <a:latin typeface="Arial"/>
+                <a:cs typeface="Arial"/>
+              </a:rPr>
+              <a:t>	      at this point if an object is still unreachable after executing any existing finalize 				methods</a:t>
+            </a:r>
+            <a:endParaRPr lang="en-US" sz="1800" dirty="0" smtClean="0">
+              <a:latin typeface="Arial"/>
+              <a:cs typeface="Arial"/>
+            </a:endParaRPr>
+          </a:p>
+          <a:p>
+            <a:pPr marL="285750" indent="-285750">
+              <a:buFont typeface="Arial"/>
+              <a:buChar char="•"/>
+            </a:pPr>
+            <a:r>
+              <a:rPr lang="en-US" sz="1800" dirty="0" err="1" smtClean="0">
+                <a:latin typeface="Arial"/>
+                <a:cs typeface="Arial"/>
+              </a:rPr>
+              <a:t>Deallocated</a:t>
+            </a:r>
+            <a:r>
+              <a:rPr lang="en-US" sz="1800" dirty="0" smtClean="0">
+                <a:latin typeface="Arial"/>
+                <a:cs typeface="Arial"/>
+              </a:rPr>
+              <a:t>:</a:t>
+            </a:r>
+            <a:r>
+              <a:rPr lang="en-US" sz="1200" dirty="0" smtClean="0">
+                <a:latin typeface="Arial"/>
+                <a:cs typeface="Arial"/>
+              </a:rPr>
+              <a:t> 	       the final step in garbage collection</a:t>
+            </a:r>
+            <a:endParaRPr lang="en-US" sz="1800" dirty="0">
+              <a:latin typeface="Arial"/>
+              <a:cs typeface="Arial"/>
+            </a:endParaRPr>
+          </a:p>
+          <a:p>
+            <a:pPr marL="0" indent="0"/>
+            <a:endParaRPr lang="en-US" dirty="0">
+              <a:latin typeface="Arial"/>
+              <a:cs typeface="Arial"/>
+            </a:endParaRPr>
+          </a:p>
+          <a:p>
+            <a:endParaRPr lang="en-US" dirty="0"/>
+          </a:p>
+        </p:txBody>
+      </p:sp>
+      <p:sp>
+        <p:nvSpPr>
+          <p:cNvPr id="4" name="TextBox 3"/>
+          <p:cNvSpPr txBox="1"/>
+          <p:nvPr/>
+        </p:nvSpPr>
+        <p:spPr>
+          <a:xfrm>
+            <a:off x="6070600" y="4914900"/>
+            <a:ext cx="184666" cy="369332"/>
+          </a:xfrm>
+          <a:prstGeom prst="rect">
+            <a:avLst/>
+          </a:prstGeom>
+          <a:noFill/>
+        </p:spPr>
+        <p:txBody>
+          <a:bodyPr wrap="none" rtlCol="0">
+            <a:spAutoFit/>
+          </a:bodyPr>
+          <a:lstStyle/>
+          <a:p>
+            <a:endParaRPr lang="en-US" dirty="0"/>
+          </a:p>
+        </p:txBody>
+      </p:sp>
+    </p:spTree>
+    <p:extLst>
+      <p:ext uri="{BB962C8B-B14F-4D97-AF65-F5344CB8AC3E}">
+        <p14:creationId xmlns:p14="http://schemas.microsoft.com/office/powerpoint/2010/main" val="1475096051"/>
+      </p:ext>
+    </p:extLst>
+  </p:cSld>
+  <p:clrMapOvr>
+    <a:masterClrMapping/>
+  </p:clrMapOvr>
+  <p:timing>
+    <p:tnLst>
+      <p:par>
+        <p:cTn xmlns:p14="http://schemas.microsoft.com/office/powerpoint/2010/main" id="1" dur="indefinite" restart="never" nodeType="tmRoot"/>
+      </p:par>
+    </p:tnLst>
+  </p:timing>
+</p:sld>
+</file>
+
+<file path=ppt/slides/slide7.xml><?xml version="1.0" encoding="utf-8"?>
+<p:sld xmlns:a="http://schemas.openxmlformats.org/drawingml/2006/main" xmlns:r="http://schemas.openxmlformats.org/officeDocument/2006/relationships" xmlns:p="http://schemas.openxmlformats.org/presentationml/2006/main">
+  <p:cSld>
+    <p:spTree>
+      <p:nvGrpSpPr>
+        <p:cNvPr id="1" name=""/>
+        <p:cNvGrpSpPr/>
+        <p:nvPr/>
+      </p:nvGrpSpPr>
+      <p:grpSpPr>
+        <a:xfrm>
+          <a:off x="0" y="0"/>
+          <a:ext cx="0" cy="0"/>
+          <a:chOff x="0" y="0"/>
+          <a:chExt cx="0" cy="0"/>
+        </a:xfrm>
+      </p:grpSpPr>
+      <p:sp>
+        <p:nvSpPr>
+          <p:cNvPr id="2" name="Title 1"/>
+          <p:cNvSpPr>
+            <a:spLocks noGrp="1"/>
+          </p:cNvSpPr>
+          <p:nvPr>
+            <p:ph type="title"/>
+          </p:nvPr>
+        </p:nvSpPr>
+        <p:spPr/>
+        <p:txBody>
+          <a:bodyPr/>
+          <a:lstStyle/>
+          <a:p>
+            <a:pPr algn="ctr"/>
+            <a:r>
+              <a:rPr lang="en-US" sz="3200" dirty="0" smtClean="0">
+                <a:latin typeface="Arial"/>
+                <a:cs typeface="Arial"/>
+              </a:rPr>
               <a:t>Garbage collection</a:t>
             </a:r>
             <a:endParaRPr lang="en-US" sz="3200" dirty="0">
@@ -6197,6 +6622,13 @@
   <p:clrMapOvr>
     <a:masterClrMapping/>
   </p:clrMapOvr>
+  <p:timing>
+    <p:tnLst>
+      <p:par>
+        <p:cTn xmlns:p14="http://schemas.microsoft.com/office/powerpoint/2010/main" id="1" dur="indefinite" restart="never" nodeType="tmRoot"/>
+      </p:par>
+    </p:tnLst>
+  </p:timing>
 </p:sld>
 </file>
 
